--- a/动态规划pre.pptx
+++ b/动态规划pre.pptx
@@ -5,26 +5,27 @@
     <p:sldMasterId id="2147483648" r:id="rId1"/>
   </p:sldMasterIdLst>
   <p:notesMasterIdLst>
-    <p:notesMasterId r:id="rId14"/>
+    <p:notesMasterId r:id="rId15"/>
   </p:notesMasterIdLst>
   <p:sldIdLst>
     <p:sldId id="261" r:id="rId2"/>
-    <p:sldId id="280" r:id="rId3"/>
+    <p:sldId id="282" r:id="rId3"/>
     <p:sldId id="281" r:id="rId4"/>
-    <p:sldId id="282" r:id="rId5"/>
+    <p:sldId id="292" r:id="rId5"/>
     <p:sldId id="285" r:id="rId6"/>
     <p:sldId id="286" r:id="rId7"/>
     <p:sldId id="287" r:id="rId8"/>
-    <p:sldId id="288" r:id="rId9"/>
-    <p:sldId id="291" r:id="rId10"/>
-    <p:sldId id="289" r:id="rId11"/>
-    <p:sldId id="290" r:id="rId12"/>
-    <p:sldId id="284" r:id="rId13"/>
+    <p:sldId id="280" r:id="rId9"/>
+    <p:sldId id="288" r:id="rId10"/>
+    <p:sldId id="291" r:id="rId11"/>
+    <p:sldId id="289" r:id="rId12"/>
+    <p:sldId id="290" r:id="rId13"/>
+    <p:sldId id="284" r:id="rId14"/>
   </p:sldIdLst>
   <p:sldSz cx="12192000" cy="6858000"/>
   <p:notesSz cx="6858000" cy="9144000"/>
   <p:custDataLst>
-    <p:tags r:id="rId15"/>
+    <p:tags r:id="rId16"/>
   </p:custDataLst>
   <p:defaultTextStyle>
     <a:defPPr>
@@ -217,7 +218,7 @@
           <a:p>
             <a:fld id="{DC5FD700-055A-4230-B9D7-FF1E7FFF8678}" type="datetimeFigureOut">
               <a:rPr lang="en-US" smtClean="0"/>
-              <a:t>6/12/2024</a:t>
+              <a:t>6/13/2024</a:t>
             </a:fld>
             <a:endParaRPr lang="en-US"/>
           </a:p>
@@ -45671,6 +45672,218 @@
 </file>
 
 <file path=ppt/slides/slide10.xml><?xml version="1.0" encoding="utf-8"?>
+<p:sld xmlns:a="http://schemas.openxmlformats.org/drawingml/2006/main" xmlns:r="http://schemas.openxmlformats.org/officeDocument/2006/relationships" xmlns:p="http://schemas.openxmlformats.org/presentationml/2006/main">
+  <p:cSld>
+    <p:spTree>
+      <p:nvGrpSpPr>
+        <p:cNvPr id="1" name=""/>
+        <p:cNvGrpSpPr/>
+        <p:nvPr/>
+      </p:nvGrpSpPr>
+      <p:grpSpPr>
+        <a:xfrm>
+          <a:off x="0" y="0"/>
+          <a:ext cx="0" cy="0"/>
+          <a:chOff x="0" y="0"/>
+          <a:chExt cx="0" cy="0"/>
+        </a:xfrm>
+      </p:grpSpPr>
+      <p:sp>
+        <p:nvSpPr>
+          <p:cNvPr id="2" name="标题 1"/>
+          <p:cNvSpPr>
+            <a:spLocks noGrp="1"/>
+          </p:cNvSpPr>
+          <p:nvPr>
+            <p:ph type="title"/>
+          </p:nvPr>
+        </p:nvSpPr>
+        <p:spPr/>
+        <p:txBody>
+          <a:bodyPr/>
+          <a:lstStyle/>
+          <a:p>
+            <a:r>
+              <a:rPr lang="zh-CN" altLang="en-US" dirty="0"/>
+              <a:t>值迭代</a:t>
+            </a:r>
+            <a:r>
+              <a:rPr lang="en-US" altLang="zh-CN" dirty="0"/>
+              <a:t>AI</a:t>
+            </a:r>
+            <a:r>
+              <a:rPr lang="zh-CN" altLang="en-US" dirty="0"/>
+              <a:t>玩家</a:t>
+            </a:r>
+          </a:p>
+        </p:txBody>
+      </p:sp>
+      <p:sp>
+        <p:nvSpPr>
+          <p:cNvPr id="3" name="内容占位符 2"/>
+          <p:cNvSpPr>
+            <a:spLocks noGrp="1"/>
+          </p:cNvSpPr>
+          <p:nvPr>
+            <p:ph idx="1"/>
+          </p:nvPr>
+        </p:nvSpPr>
+        <p:spPr/>
+        <p:txBody>
+          <a:bodyPr>
+            <a:normAutofit lnSpcReduction="10000"/>
+          </a:bodyPr>
+          <a:lstStyle/>
+          <a:p>
+            <a:r>
+              <a:rPr lang="zh-CN" altLang="en-US" dirty="0"/>
+              <a:t>在创建玩家时先计算所有简化后状态对应的值</a:t>
+            </a:r>
+            <a:endParaRPr lang="en-US" altLang="zh-CN" dirty="0"/>
+          </a:p>
+          <a:p>
+            <a:pPr lvl="1"/>
+            <a:r>
+              <a:rPr lang="zh-CN" altLang="en-US" dirty="0"/>
+              <a:t>遍历所有简化后的状态，每次根据</a:t>
+            </a:r>
+            <a:r>
+              <a:rPr lang="en-US" altLang="zh-CN" dirty="0"/>
+              <a:t>state</a:t>
+            </a:r>
+            <a:r>
+              <a:rPr lang="zh-CN" altLang="en-US" dirty="0"/>
+              <a:t>获取所有</a:t>
+            </a:r>
+            <a:r>
+              <a:rPr lang="en-US" altLang="zh-CN" dirty="0"/>
+              <a:t>action</a:t>
+            </a:r>
+            <a:r>
+              <a:rPr lang="zh-CN" altLang="en-US" dirty="0"/>
+              <a:t>的概率分布：</a:t>
+            </a:r>
+            <a:endParaRPr lang="en-US" altLang="zh-CN" dirty="0"/>
+          </a:p>
+          <a:p>
+            <a:pPr lvl="2"/>
+            <a:r>
+              <a:rPr lang="en-US" altLang="zh-CN" dirty="0"/>
+              <a:t>Action</a:t>
+            </a:r>
+            <a:r>
+              <a:rPr lang="zh-CN" altLang="en-US" dirty="0"/>
+              <a:t>的概率分布按照地图中所有的建筑类型更新权重并归一化。</a:t>
+            </a:r>
+            <a:endParaRPr lang="en-US" altLang="zh-CN" dirty="0"/>
+          </a:p>
+          <a:p>
+            <a:pPr lvl="1"/>
+            <a:r>
+              <a:rPr lang="zh-CN" altLang="en-US" dirty="0"/>
+              <a:t>按照以下公式更新新的值：</a:t>
+            </a:r>
+            <a:endParaRPr lang="en-US" altLang="zh-CN" dirty="0"/>
+          </a:p>
+          <a:p>
+            <a:pPr lvl="1"/>
+            <a:endParaRPr lang="en-US" altLang="zh-CN" dirty="0"/>
+          </a:p>
+          <a:p>
+            <a:pPr marL="457200" lvl="1" indent="0">
+              <a:buNone/>
+            </a:pPr>
+            <a:endParaRPr lang="en-US" altLang="zh-CN" dirty="0"/>
+          </a:p>
+          <a:p>
+            <a:pPr lvl="1"/>
+            <a:r>
+              <a:rPr lang="zh-CN" altLang="en-US" dirty="0"/>
+              <a:t>当训练次数上限后，或所有变化值的最大值小于误差时训练结束。</a:t>
+            </a:r>
+            <a:endParaRPr lang="en-US" altLang="zh-CN" dirty="0"/>
+          </a:p>
+          <a:p>
+            <a:pPr lvl="1"/>
+            <a:r>
+              <a:rPr lang="zh-CN" altLang="en-US" dirty="0"/>
+              <a:t>将训练后的状态数据保存为文件，可以读取之前的数据多次训练。</a:t>
+            </a:r>
+            <a:endParaRPr lang="en-US" altLang="zh-CN" dirty="0"/>
+          </a:p>
+          <a:p>
+            <a:r>
+              <a:rPr lang="zh-CN" altLang="en-US" dirty="0"/>
+              <a:t>创建后预测所有行动后的状态，并映射为简化后的状态，计算对应的值，并得出</a:t>
+            </a:r>
+            <a:r>
+              <a:rPr lang="en-US" altLang="zh-CN" dirty="0"/>
+              <a:t>V(s’)+r(a)</a:t>
+            </a:r>
+            <a:r>
+              <a:rPr lang="zh-CN" altLang="en-US" dirty="0"/>
+              <a:t>最大时对应的动作。</a:t>
+            </a:r>
+            <a:endParaRPr lang="en-US" altLang="zh-CN" dirty="0"/>
+          </a:p>
+        </p:txBody>
+      </p:sp>
+      <p:pic>
+        <p:nvPicPr>
+          <p:cNvPr id="5" name="图片 4">
+            <a:extLst>
+              <a:ext uri="{FF2B5EF4-FFF2-40B4-BE49-F238E27FC236}">
+                <a16:creationId xmlns:a16="http://schemas.microsoft.com/office/drawing/2014/main" id="{CB7B70DB-375A-5967-342C-42E112FC802A}"/>
+              </a:ext>
+            </a:extLst>
+          </p:cNvPr>
+          <p:cNvPicPr>
+            <a:picLocks noChangeAspect="1"/>
+          </p:cNvPicPr>
+          <p:nvPr/>
+        </p:nvPicPr>
+        <p:blipFill>
+          <a:blip r:embed="rId2"/>
+          <a:stretch>
+            <a:fillRect/>
+          </a:stretch>
+        </p:blipFill>
+        <p:spPr>
+          <a:xfrm>
+            <a:off x="1517414" y="3564086"/>
+            <a:ext cx="9157171" cy="457223"/>
+          </a:xfrm>
+          <a:prstGeom prst="rect">
+            <a:avLst/>
+          </a:prstGeom>
+        </p:spPr>
+      </p:pic>
+    </p:spTree>
+    <p:extLst>
+      <p:ext uri="{BB962C8B-B14F-4D97-AF65-F5344CB8AC3E}">
+        <p14:creationId xmlns:p14="http://schemas.microsoft.com/office/powerpoint/2010/main" val="343482876"/>
+      </p:ext>
+    </p:extLst>
+  </p:cSld>
+  <p:clrMapOvr>
+    <a:masterClrMapping/>
+  </p:clrMapOvr>
+  <mc:AlternateContent xmlns:mc="http://schemas.openxmlformats.org/markup-compatibility/2006" xmlns:p14="http://schemas.microsoft.com/office/powerpoint/2010/main">
+    <mc:Choice Requires="p14">
+      <p:transition spd="med" p14:dur="700">
+        <p:fade/>
+      </p:transition>
+    </mc:Choice>
+    <mc:Fallback xmlns="">
+      <p:transition spd="med">
+        <p:fade/>
+      </p:transition>
+    </mc:Fallback>
+  </mc:AlternateContent>
+</p:sld>
+</file>
+
+<file path=ppt/slides/slide11.xml><?xml version="1.0" encoding="utf-8"?>
 <p:sld xmlns:a="http://schemas.openxmlformats.org/drawingml/2006/main" xmlns:r="http://schemas.openxmlformats.org/officeDocument/2006/relationships" xmlns:p="http://schemas.openxmlformats.org/presentationml/2006/main">
   <p:cSld>
     <p:spTree>
@@ -46873,7 +47086,19 @@
                 </a:highlight>
                 <a:latin typeface="Consolas" panose="020B0609020204030204" pitchFamily="49" charset="0"/>
               </a:rPr>
-              <a:t>'</a:t>
+              <a:t>‘</a:t>
+            </a:r>
+            <a:r>
+              <a:rPr lang="en-US" altLang="zh-CN" sz="1600" dirty="0" err="1">
+                <a:solidFill>
+                  <a:srgbClr val="F1FA8C"/>
+                </a:solidFill>
+                <a:highlight>
+                  <a:srgbClr val="282A36"/>
+                </a:highlight>
+                <a:latin typeface="Consolas" panose="020B0609020204030204" pitchFamily="49" charset="0"/>
+              </a:rPr>
+              <a:t>Base</a:t>
             </a:r>
             <a:r>
               <a:rPr lang="en-US" altLang="zh-CN" sz="1600" b="0" dirty="0" err="1">
@@ -46886,7 +47111,7 @@
                 </a:highlight>
                 <a:latin typeface="Consolas" panose="020B0609020204030204" pitchFamily="49" charset="0"/>
               </a:rPr>
-              <a:t>GreedyAIPlayer</a:t>
+              <a:t>AIPlayer</a:t>
             </a:r>
             <a:r>
               <a:rPr lang="en-US" altLang="zh-CN" sz="1600" b="0" dirty="0">
@@ -47007,6 +47232,377 @@
             </a:r>
             <a:r>
               <a:rPr lang="en-US" altLang="zh-CN" sz="1600" dirty="0"/>
+              <a:t>': 0.48, '</a:t>
+            </a:r>
+            <a:r>
+              <a:rPr lang="en-US" altLang="zh-CN" sz="1600" dirty="0" err="1"/>
+              <a:t>avg_round</a:t>
+            </a:r>
+            <a:r>
+              <a:rPr lang="en-US" altLang="zh-CN" sz="1600" dirty="0"/>
+              <a:t>': 342.7083333333333}, 'Bob': {'</a:t>
+            </a:r>
+            <a:r>
+              <a:rPr lang="en-US" altLang="zh-CN" sz="1600" dirty="0" err="1"/>
+              <a:t>win_rate</a:t>
+            </a:r>
+            <a:r>
+              <a:rPr lang="en-US" altLang="zh-CN" sz="1600" dirty="0"/>
+              <a:t>': 0.52, '</a:t>
+            </a:r>
+            <a:r>
+              <a:rPr lang="en-US" altLang="zh-CN" sz="1600" dirty="0" err="1"/>
+              <a:t>avg_round</a:t>
+            </a:r>
+            <a:r>
+              <a:rPr lang="en-US" altLang="zh-CN" sz="1600" dirty="0"/>
+              <a:t>': 355.3030311111111}}</a:t>
+            </a:r>
+          </a:p>
+          <a:p>
+            <a:pPr marL="0" indent="0">
+              <a:buNone/>
+            </a:pPr>
+            <a:r>
+              <a:rPr lang="en-US" altLang="zh-CN" sz="1600" b="0" dirty="0" err="1">
+                <a:solidFill>
+                  <a:srgbClr val="DE5B47"/>
+                </a:solidFill>
+                <a:effectLst/>
+                <a:highlight>
+                  <a:srgbClr val="282A36"/>
+                </a:highlight>
+                <a:latin typeface="Consolas" panose="020B0609020204030204" pitchFamily="49" charset="0"/>
+              </a:rPr>
+              <a:t>players_config</a:t>
+            </a:r>
+            <a:r>
+              <a:rPr lang="en-US" altLang="zh-CN" sz="1600" b="0" dirty="0">
+                <a:solidFill>
+                  <a:srgbClr val="F6F6F4"/>
+                </a:solidFill>
+                <a:effectLst/>
+                <a:highlight>
+                  <a:srgbClr val="282A36"/>
+                </a:highlight>
+                <a:latin typeface="Consolas" panose="020B0609020204030204" pitchFamily="49" charset="0"/>
+              </a:rPr>
+              <a:t> </a:t>
+            </a:r>
+            <a:r>
+              <a:rPr lang="en-US" altLang="zh-CN" sz="1600" b="0" i="1" dirty="0">
+                <a:solidFill>
+                  <a:srgbClr val="F286C4"/>
+                </a:solidFill>
+                <a:effectLst/>
+                <a:highlight>
+                  <a:srgbClr val="282A36"/>
+                </a:highlight>
+                <a:latin typeface="Consolas" panose="020B0609020204030204" pitchFamily="49" charset="0"/>
+              </a:rPr>
+              <a:t>=</a:t>
+            </a:r>
+            <a:r>
+              <a:rPr lang="en-US" altLang="zh-CN" sz="1600" b="0" dirty="0">
+                <a:solidFill>
+                  <a:srgbClr val="F6F6F4"/>
+                </a:solidFill>
+                <a:effectLst/>
+                <a:highlight>
+                  <a:srgbClr val="282A36"/>
+                </a:highlight>
+                <a:latin typeface="Consolas" panose="020B0609020204030204" pitchFamily="49" charset="0"/>
+              </a:rPr>
+              <a:t> [[</a:t>
+            </a:r>
+            <a:r>
+              <a:rPr lang="en-US" altLang="zh-CN" sz="1600" b="0" dirty="0">
+                <a:solidFill>
+                  <a:srgbClr val="DEE492"/>
+                </a:solidFill>
+                <a:effectLst/>
+                <a:highlight>
+                  <a:srgbClr val="282A36"/>
+                </a:highlight>
+                <a:latin typeface="Consolas" panose="020B0609020204030204" pitchFamily="49" charset="0"/>
+              </a:rPr>
+              <a:t>‘</a:t>
+            </a:r>
+            <a:r>
+              <a:rPr lang="en-US" altLang="zh-CN" sz="1600" b="0" dirty="0" err="1">
+                <a:solidFill>
+                  <a:srgbClr val="F1FA8C"/>
+                </a:solidFill>
+                <a:effectLst/>
+                <a:highlight>
+                  <a:srgbClr val="282A36"/>
+                </a:highlight>
+                <a:latin typeface="Consolas" panose="020B0609020204030204" pitchFamily="49" charset="0"/>
+              </a:rPr>
+              <a:t>GreedyAIPlayer</a:t>
+            </a:r>
+            <a:r>
+              <a:rPr lang="en-US" altLang="zh-CN" sz="1600" b="0" dirty="0">
+                <a:solidFill>
+                  <a:srgbClr val="DEE492"/>
+                </a:solidFill>
+                <a:effectLst/>
+                <a:highlight>
+                  <a:srgbClr val="282A36"/>
+                </a:highlight>
+                <a:latin typeface="Consolas" panose="020B0609020204030204" pitchFamily="49" charset="0"/>
+              </a:rPr>
+              <a:t>'</a:t>
+            </a:r>
+            <a:r>
+              <a:rPr lang="en-US" altLang="zh-CN" sz="1600" b="0" dirty="0">
+                <a:solidFill>
+                  <a:srgbClr val="F6F6F4"/>
+                </a:solidFill>
+                <a:effectLst/>
+                <a:highlight>
+                  <a:srgbClr val="282A36"/>
+                </a:highlight>
+                <a:latin typeface="Consolas" panose="020B0609020204030204" pitchFamily="49" charset="0"/>
+              </a:rPr>
+              <a:t>, </a:t>
+            </a:r>
+            <a:r>
+              <a:rPr lang="en-US" altLang="zh-CN" sz="1600" b="0" dirty="0">
+                <a:solidFill>
+                  <a:srgbClr val="BF9EEE"/>
+                </a:solidFill>
+                <a:effectLst/>
+                <a:highlight>
+                  <a:srgbClr val="282A36"/>
+                </a:highlight>
+                <a:latin typeface="Consolas" panose="020B0609020204030204" pitchFamily="49" charset="0"/>
+              </a:rPr>
+              <a:t>1</a:t>
+            </a:r>
+            <a:r>
+              <a:rPr lang="en-US" altLang="zh-CN" sz="1600" b="0" dirty="0">
+                <a:solidFill>
+                  <a:srgbClr val="F6F6F4"/>
+                </a:solidFill>
+                <a:effectLst/>
+                <a:highlight>
+                  <a:srgbClr val="282A36"/>
+                </a:highlight>
+                <a:latin typeface="Consolas" panose="020B0609020204030204" pitchFamily="49" charset="0"/>
+              </a:rPr>
+              <a:t>, </a:t>
+            </a:r>
+            <a:r>
+              <a:rPr lang="en-US" altLang="zh-CN" sz="1600" b="0" dirty="0">
+                <a:solidFill>
+                  <a:srgbClr val="DEE492"/>
+                </a:solidFill>
+                <a:effectLst/>
+                <a:highlight>
+                  <a:srgbClr val="282A36"/>
+                </a:highlight>
+                <a:latin typeface="Consolas" panose="020B0609020204030204" pitchFamily="49" charset="0"/>
+              </a:rPr>
+              <a:t>'</a:t>
+            </a:r>
+            <a:r>
+              <a:rPr lang="en-US" altLang="zh-CN" sz="1600" b="0" dirty="0">
+                <a:solidFill>
+                  <a:srgbClr val="F1FA8C"/>
+                </a:solidFill>
+                <a:effectLst/>
+                <a:highlight>
+                  <a:srgbClr val="282A36"/>
+                </a:highlight>
+                <a:latin typeface="Consolas" panose="020B0609020204030204" pitchFamily="49" charset="0"/>
+              </a:rPr>
+              <a:t>Alice</a:t>
+            </a:r>
+            <a:r>
+              <a:rPr lang="en-US" altLang="zh-CN" sz="1600" b="0" dirty="0">
+                <a:solidFill>
+                  <a:srgbClr val="DEE492"/>
+                </a:solidFill>
+                <a:effectLst/>
+                <a:highlight>
+                  <a:srgbClr val="282A36"/>
+                </a:highlight>
+                <a:latin typeface="Consolas" panose="020B0609020204030204" pitchFamily="49" charset="0"/>
+              </a:rPr>
+              <a:t>'</a:t>
+            </a:r>
+            <a:r>
+              <a:rPr lang="en-US" altLang="zh-CN" sz="1600" b="0" dirty="0">
+                <a:solidFill>
+                  <a:srgbClr val="F6F6F4"/>
+                </a:solidFill>
+                <a:effectLst/>
+                <a:highlight>
+                  <a:srgbClr val="282A36"/>
+                </a:highlight>
+                <a:latin typeface="Consolas" panose="020B0609020204030204" pitchFamily="49" charset="0"/>
+              </a:rPr>
+              <a:t>], [</a:t>
+            </a:r>
+            <a:r>
+              <a:rPr lang="en-US" altLang="zh-CN" sz="1600" b="0" dirty="0">
+                <a:solidFill>
+                  <a:srgbClr val="DEE492"/>
+                </a:solidFill>
+                <a:effectLst/>
+                <a:highlight>
+                  <a:srgbClr val="282A36"/>
+                </a:highlight>
+                <a:latin typeface="Consolas" panose="020B0609020204030204" pitchFamily="49" charset="0"/>
+              </a:rPr>
+              <a:t>‘</a:t>
+            </a:r>
+            <a:r>
+              <a:rPr lang="en-US" altLang="zh-CN" sz="1600" dirty="0" err="1">
+                <a:solidFill>
+                  <a:srgbClr val="F1FA8C"/>
+                </a:solidFill>
+                <a:highlight>
+                  <a:srgbClr val="282A36"/>
+                </a:highlight>
+                <a:latin typeface="Consolas" panose="020B0609020204030204" pitchFamily="49" charset="0"/>
+              </a:rPr>
+              <a:t>Base</a:t>
+            </a:r>
+            <a:r>
+              <a:rPr lang="en-US" altLang="zh-CN" sz="1600" b="0" dirty="0" err="1">
+                <a:solidFill>
+                  <a:srgbClr val="F1FA8C"/>
+                </a:solidFill>
+                <a:effectLst/>
+                <a:highlight>
+                  <a:srgbClr val="282A36"/>
+                </a:highlight>
+                <a:latin typeface="Consolas" panose="020B0609020204030204" pitchFamily="49" charset="0"/>
+              </a:rPr>
+              <a:t>AIPlayer</a:t>
+            </a:r>
+            <a:r>
+              <a:rPr lang="en-US" altLang="zh-CN" sz="1600" b="0" dirty="0">
+                <a:solidFill>
+                  <a:srgbClr val="DEE492"/>
+                </a:solidFill>
+                <a:effectLst/>
+                <a:highlight>
+                  <a:srgbClr val="282A36"/>
+                </a:highlight>
+                <a:latin typeface="Consolas" panose="020B0609020204030204" pitchFamily="49" charset="0"/>
+              </a:rPr>
+              <a:t>'</a:t>
+            </a:r>
+            <a:r>
+              <a:rPr lang="en-US" altLang="zh-CN" sz="1600" b="0" dirty="0">
+                <a:solidFill>
+                  <a:srgbClr val="F6F6F4"/>
+                </a:solidFill>
+                <a:effectLst/>
+                <a:highlight>
+                  <a:srgbClr val="282A36"/>
+                </a:highlight>
+                <a:latin typeface="Consolas" panose="020B0609020204030204" pitchFamily="49" charset="0"/>
+              </a:rPr>
+              <a:t>, </a:t>
+            </a:r>
+            <a:r>
+              <a:rPr lang="en-US" altLang="zh-CN" sz="1600" b="0" dirty="0">
+                <a:solidFill>
+                  <a:srgbClr val="BF9EEE"/>
+                </a:solidFill>
+                <a:effectLst/>
+                <a:highlight>
+                  <a:srgbClr val="282A36"/>
+                </a:highlight>
+                <a:latin typeface="Consolas" panose="020B0609020204030204" pitchFamily="49" charset="0"/>
+              </a:rPr>
+              <a:t>2</a:t>
+            </a:r>
+            <a:r>
+              <a:rPr lang="en-US" altLang="zh-CN" sz="1600" b="0" dirty="0">
+                <a:solidFill>
+                  <a:srgbClr val="F6F6F4"/>
+                </a:solidFill>
+                <a:effectLst/>
+                <a:highlight>
+                  <a:srgbClr val="282A36"/>
+                </a:highlight>
+                <a:latin typeface="Consolas" panose="020B0609020204030204" pitchFamily="49" charset="0"/>
+              </a:rPr>
+              <a:t>, </a:t>
+            </a:r>
+            <a:r>
+              <a:rPr lang="en-US" altLang="zh-CN" sz="1600" b="0" dirty="0">
+                <a:solidFill>
+                  <a:srgbClr val="DEE492"/>
+                </a:solidFill>
+                <a:effectLst/>
+                <a:highlight>
+                  <a:srgbClr val="282A36"/>
+                </a:highlight>
+                <a:latin typeface="Consolas" panose="020B0609020204030204" pitchFamily="49" charset="0"/>
+              </a:rPr>
+              <a:t>'</a:t>
+            </a:r>
+            <a:r>
+              <a:rPr lang="en-US" altLang="zh-CN" sz="1600" b="0" dirty="0">
+                <a:solidFill>
+                  <a:srgbClr val="F1FA8C"/>
+                </a:solidFill>
+                <a:effectLst/>
+                <a:highlight>
+                  <a:srgbClr val="282A36"/>
+                </a:highlight>
+                <a:latin typeface="Consolas" panose="020B0609020204030204" pitchFamily="49" charset="0"/>
+              </a:rPr>
+              <a:t>Bob</a:t>
+            </a:r>
+            <a:r>
+              <a:rPr lang="en-US" altLang="zh-CN" sz="1600" b="0" dirty="0">
+                <a:solidFill>
+                  <a:srgbClr val="DEE492"/>
+                </a:solidFill>
+                <a:effectLst/>
+                <a:highlight>
+                  <a:srgbClr val="282A36"/>
+                </a:highlight>
+                <a:latin typeface="Consolas" panose="020B0609020204030204" pitchFamily="49" charset="0"/>
+              </a:rPr>
+              <a:t>'</a:t>
+            </a:r>
+            <a:r>
+              <a:rPr lang="en-US" altLang="zh-CN" sz="1600" b="0" dirty="0">
+                <a:solidFill>
+                  <a:srgbClr val="F6F6F4"/>
+                </a:solidFill>
+                <a:effectLst/>
+                <a:highlight>
+                  <a:srgbClr val="282A36"/>
+                </a:highlight>
+                <a:latin typeface="Consolas" panose="020B0609020204030204" pitchFamily="49" charset="0"/>
+              </a:rPr>
+              <a:t>]]</a:t>
+            </a:r>
+            <a:endParaRPr lang="en-US" altLang="zh-CN" sz="1600" dirty="0"/>
+          </a:p>
+          <a:p>
+            <a:pPr marL="0" indent="0">
+              <a:buNone/>
+            </a:pPr>
+            <a:r>
+              <a:rPr lang="en-US" altLang="zh-CN" sz="1600" dirty="0"/>
+              <a:t>{'Alice': {'</a:t>
+            </a:r>
+            <a:r>
+              <a:rPr lang="en-US" altLang="zh-CN" sz="1600" dirty="0" err="1"/>
+              <a:t>win_rate</a:t>
+            </a:r>
+            <a:r>
+              <a:rPr lang="en-US" altLang="zh-CN" sz="1600" dirty="0"/>
               <a:t>': 0.584, '</a:t>
             </a:r>
             <a:r>
@@ -47033,6 +47629,12 @@
               <a:rPr lang="en-US" altLang="zh-CN" sz="1600" dirty="0"/>
               <a:t>': 354.78846153846155}}</a:t>
             </a:r>
+          </a:p>
+          <a:p>
+            <a:pPr marL="0" indent="0">
+              <a:buNone/>
+            </a:pPr>
+            <a:endParaRPr lang="en-US" altLang="zh-CN" sz="1600" dirty="0"/>
           </a:p>
         </p:txBody>
       </p:sp>
@@ -47066,6 +47668,66 @@
           </a:prstGeom>
         </p:spPr>
       </p:pic>
+      <p:pic>
+        <p:nvPicPr>
+          <p:cNvPr id="4" name="图片 3">
+            <a:extLst>
+              <a:ext uri="{FF2B5EF4-FFF2-40B4-BE49-F238E27FC236}">
+                <a16:creationId xmlns:a16="http://schemas.microsoft.com/office/drawing/2014/main" id="{524D17F0-F86F-97CE-A7F5-0AB93EC59C3A}"/>
+              </a:ext>
+            </a:extLst>
+          </p:cNvPr>
+          <p:cNvPicPr>
+            <a:picLocks noChangeAspect="1"/>
+          </p:cNvPicPr>
+          <p:nvPr/>
+        </p:nvPicPr>
+        <p:blipFill>
+          <a:blip r:embed="rId3"/>
+          <a:stretch>
+            <a:fillRect/>
+          </a:stretch>
+        </p:blipFill>
+        <p:spPr>
+          <a:xfrm>
+            <a:off x="6004530" y="163963"/>
+            <a:ext cx="2696347" cy="1168652"/>
+          </a:xfrm>
+          <a:prstGeom prst="rect">
+            <a:avLst/>
+          </a:prstGeom>
+        </p:spPr>
+      </p:pic>
+      <p:pic>
+        <p:nvPicPr>
+          <p:cNvPr id="10" name="图片 9">
+            <a:extLst>
+              <a:ext uri="{FF2B5EF4-FFF2-40B4-BE49-F238E27FC236}">
+                <a16:creationId xmlns:a16="http://schemas.microsoft.com/office/drawing/2014/main" id="{A39F7A1F-ADB2-A7B8-8FD9-95286F23E500}"/>
+              </a:ext>
+            </a:extLst>
+          </p:cNvPr>
+          <p:cNvPicPr>
+            <a:picLocks noChangeAspect="1"/>
+          </p:cNvPicPr>
+          <p:nvPr/>
+        </p:nvPicPr>
+        <p:blipFill>
+          <a:blip r:embed="rId4"/>
+          <a:stretch>
+            <a:fillRect/>
+          </a:stretch>
+        </p:blipFill>
+        <p:spPr>
+          <a:xfrm>
+            <a:off x="3722543" y="4175045"/>
+            <a:ext cx="4563973" cy="2317829"/>
+          </a:xfrm>
+          <a:prstGeom prst="rect">
+            <a:avLst/>
+          </a:prstGeom>
+        </p:spPr>
+      </p:pic>
     </p:spTree>
   </p:cSld>
   <p:clrMapOvr>
@@ -47086,7 +47748,7 @@
 </p:sld>
 </file>
 
-<file path=ppt/slides/slide11.xml><?xml version="1.0" encoding="utf-8"?>
+<file path=ppt/slides/slide12.xml><?xml version="1.0" encoding="utf-8"?>
 <p:sld xmlns:a="http://schemas.openxmlformats.org/drawingml/2006/main" xmlns:r="http://schemas.openxmlformats.org/officeDocument/2006/relationships" xmlns:p="http://schemas.openxmlformats.org/presentationml/2006/main">
   <p:cSld>
     <p:spTree>
@@ -47164,7 +47826,7 @@
 </p:sld>
 </file>
 
-<file path=ppt/slides/slide12.xml><?xml version="1.0" encoding="utf-8"?>
+<file path=ppt/slides/slide13.xml><?xml version="1.0" encoding="utf-8"?>
 <p:sld xmlns:a="http://schemas.openxmlformats.org/drawingml/2006/main" xmlns:r="http://schemas.openxmlformats.org/officeDocument/2006/relationships" xmlns:p="http://schemas.openxmlformats.org/presentationml/2006/main">
   <p:cSld>
     <p:spTree>
@@ -47256,199 +47918,6 @@
 </file>
 
 <file path=ppt/slides/slide2.xml><?xml version="1.0" encoding="utf-8"?>
-<p:sld xmlns:a="http://schemas.openxmlformats.org/drawingml/2006/main" xmlns:r="http://schemas.openxmlformats.org/officeDocument/2006/relationships" xmlns:p="http://schemas.openxmlformats.org/presentationml/2006/main">
-  <p:cSld>
-    <p:spTree>
-      <p:nvGrpSpPr>
-        <p:cNvPr id="1" name=""/>
-        <p:cNvGrpSpPr/>
-        <p:nvPr/>
-      </p:nvGrpSpPr>
-      <p:grpSpPr>
-        <a:xfrm>
-          <a:off x="0" y="0"/>
-          <a:ext cx="0" cy="0"/>
-          <a:chOff x="0" y="0"/>
-          <a:chExt cx="0" cy="0"/>
-        </a:xfrm>
-      </p:grpSpPr>
-      <p:sp>
-        <p:nvSpPr>
-          <p:cNvPr id="2" name="标题 1"/>
-          <p:cNvSpPr>
-            <a:spLocks noGrp="1"/>
-          </p:cNvSpPr>
-          <p:nvPr>
-            <p:ph type="title"/>
-          </p:nvPr>
-        </p:nvSpPr>
-        <p:spPr/>
-        <p:txBody>
-          <a:bodyPr/>
-          <a:lstStyle/>
-          <a:p>
-            <a:r>
-              <a:rPr lang="zh-CN" altLang="en-US"/>
-              <a:t>值迭代</a:t>
-            </a:r>
-          </a:p>
-        </p:txBody>
-      </p:sp>
-      <p:pic>
-        <p:nvPicPr>
-          <p:cNvPr id="4" name="内容占位符 3"/>
-          <p:cNvPicPr>
-            <a:picLocks noGrp="1" noChangeAspect="1"/>
-          </p:cNvPicPr>
-          <p:nvPr>
-            <p:ph idx="1"/>
-          </p:nvPr>
-        </p:nvPicPr>
-        <p:blipFill>
-          <a:blip r:embed="rId2"/>
-          <a:stretch>
-            <a:fillRect/>
-          </a:stretch>
-        </p:blipFill>
-        <p:spPr>
-          <a:xfrm>
-            <a:off x="638175" y="1933575"/>
-            <a:ext cx="10086975" cy="2990850"/>
-          </a:xfrm>
-          <a:prstGeom prst="rect">
-            <a:avLst/>
-          </a:prstGeom>
-        </p:spPr>
-      </p:pic>
-    </p:spTree>
-  </p:cSld>
-  <p:clrMapOvr>
-    <a:masterClrMapping/>
-  </p:clrMapOvr>
-  <mc:AlternateContent xmlns:mc="http://schemas.openxmlformats.org/markup-compatibility/2006" xmlns:p14="http://schemas.microsoft.com/office/powerpoint/2010/main">
-    <mc:Choice Requires="p14">
-      <p:transition spd="med" p14:dur="700">
-        <p:fade/>
-      </p:transition>
-    </mc:Choice>
-    <mc:Fallback xmlns="">
-      <p:transition spd="med">
-        <p:fade/>
-      </p:transition>
-    </mc:Fallback>
-  </mc:AlternateContent>
-</p:sld>
-</file>
-
-<file path=ppt/slides/slide3.xml><?xml version="1.0" encoding="utf-8"?>
-<p:sld xmlns:a="http://schemas.openxmlformats.org/drawingml/2006/main" xmlns:r="http://schemas.openxmlformats.org/officeDocument/2006/relationships" xmlns:p="http://schemas.openxmlformats.org/presentationml/2006/main">
-  <p:cSld>
-    <p:spTree>
-      <p:nvGrpSpPr>
-        <p:cNvPr id="1" name=""/>
-        <p:cNvGrpSpPr/>
-        <p:nvPr/>
-      </p:nvGrpSpPr>
-      <p:grpSpPr>
-        <a:xfrm>
-          <a:off x="0" y="0"/>
-          <a:ext cx="0" cy="0"/>
-          <a:chOff x="0" y="0"/>
-          <a:chExt cx="0" cy="0"/>
-        </a:xfrm>
-      </p:grpSpPr>
-      <p:sp>
-        <p:nvSpPr>
-          <p:cNvPr id="2" name="标题 1"/>
-          <p:cNvSpPr>
-            <a:spLocks noGrp="1"/>
-          </p:cNvSpPr>
-          <p:nvPr>
-            <p:ph type="title"/>
-          </p:nvPr>
-        </p:nvSpPr>
-        <p:spPr>
-          <a:xfrm>
-            <a:off x="671608" y="100331"/>
-            <a:ext cx="10916094" cy="967488"/>
-          </a:xfrm>
-        </p:spPr>
-        <p:txBody>
-          <a:bodyPr/>
-          <a:lstStyle/>
-          <a:p>
-            <a:r>
-              <a:rPr lang="zh-CN" altLang="en-US"/>
-              <a:t>大富翁</a:t>
-            </a:r>
-          </a:p>
-        </p:txBody>
-      </p:sp>
-      <p:sp>
-        <p:nvSpPr>
-          <p:cNvPr id="3" name="内容占位符 2"/>
-          <p:cNvSpPr>
-            <a:spLocks noGrp="1"/>
-          </p:cNvSpPr>
-          <p:nvPr>
-            <p:ph idx="1"/>
-          </p:nvPr>
-        </p:nvSpPr>
-        <p:spPr/>
-        <p:txBody>
-          <a:bodyPr/>
-          <a:lstStyle/>
-          <a:p>
-            <a:endParaRPr lang="zh-CN" altLang="en-US"/>
-          </a:p>
-        </p:txBody>
-      </p:sp>
-      <p:pic>
-        <p:nvPicPr>
-          <p:cNvPr id="4" name="图片 3"/>
-          <p:cNvPicPr>
-            <a:picLocks noChangeAspect="1"/>
-          </p:cNvPicPr>
-          <p:nvPr/>
-        </p:nvPicPr>
-        <p:blipFill>
-          <a:blip r:embed="rId2"/>
-          <a:srcRect t="4779"/>
-          <a:stretch>
-            <a:fillRect/>
-          </a:stretch>
-        </p:blipFill>
-        <p:spPr>
-          <a:xfrm>
-            <a:off x="519430" y="902335"/>
-            <a:ext cx="11203940" cy="5559425"/>
-          </a:xfrm>
-          <a:prstGeom prst="rect">
-            <a:avLst/>
-          </a:prstGeom>
-        </p:spPr>
-      </p:pic>
-    </p:spTree>
-  </p:cSld>
-  <p:clrMapOvr>
-    <a:masterClrMapping/>
-  </p:clrMapOvr>
-  <mc:AlternateContent xmlns:mc="http://schemas.openxmlformats.org/markup-compatibility/2006" xmlns:p14="http://schemas.microsoft.com/office/powerpoint/2010/main">
-    <mc:Choice Requires="p14">
-      <p:transition spd="med" p14:dur="700">
-        <p:fade/>
-      </p:transition>
-    </mc:Choice>
-    <mc:Fallback xmlns="">
-      <p:transition spd="med">
-        <p:fade/>
-      </p:transition>
-    </mc:Fallback>
-  </mc:AlternateContent>
-</p:sld>
-</file>
-
-<file path=ppt/slides/slide4.xml><?xml version="1.0" encoding="utf-8"?>
 <p:sld xmlns:a="http://schemas.openxmlformats.org/drawingml/2006/main" xmlns:r="http://schemas.openxmlformats.org/officeDocument/2006/relationships" xmlns:p="http://schemas.openxmlformats.org/presentationml/2006/main">
   <p:cSld>
     <p:spTree>
@@ -47642,6 +48111,262 @@
         </p:txBody>
       </p:sp>
     </p:spTree>
+  </p:cSld>
+  <p:clrMapOvr>
+    <a:masterClrMapping/>
+  </p:clrMapOvr>
+  <mc:AlternateContent xmlns:mc="http://schemas.openxmlformats.org/markup-compatibility/2006" xmlns:p14="http://schemas.microsoft.com/office/powerpoint/2010/main">
+    <mc:Choice Requires="p14">
+      <p:transition spd="med" p14:dur="700">
+        <p:fade/>
+      </p:transition>
+    </mc:Choice>
+    <mc:Fallback xmlns="">
+      <p:transition spd="med">
+        <p:fade/>
+      </p:transition>
+    </mc:Fallback>
+  </mc:AlternateContent>
+</p:sld>
+</file>
+
+<file path=ppt/slides/slide3.xml><?xml version="1.0" encoding="utf-8"?>
+<p:sld xmlns:a="http://schemas.openxmlformats.org/drawingml/2006/main" xmlns:r="http://schemas.openxmlformats.org/officeDocument/2006/relationships" xmlns:p="http://schemas.openxmlformats.org/presentationml/2006/main">
+  <p:cSld>
+    <p:spTree>
+      <p:nvGrpSpPr>
+        <p:cNvPr id="1" name=""/>
+        <p:cNvGrpSpPr/>
+        <p:nvPr/>
+      </p:nvGrpSpPr>
+      <p:grpSpPr>
+        <a:xfrm>
+          <a:off x="0" y="0"/>
+          <a:ext cx="0" cy="0"/>
+          <a:chOff x="0" y="0"/>
+          <a:chExt cx="0" cy="0"/>
+        </a:xfrm>
+      </p:grpSpPr>
+      <p:sp>
+        <p:nvSpPr>
+          <p:cNvPr id="2" name="标题 1"/>
+          <p:cNvSpPr>
+            <a:spLocks noGrp="1"/>
+          </p:cNvSpPr>
+          <p:nvPr>
+            <p:ph type="title"/>
+          </p:nvPr>
+        </p:nvSpPr>
+        <p:spPr>
+          <a:xfrm>
+            <a:off x="671608" y="100331"/>
+            <a:ext cx="10916094" cy="967488"/>
+          </a:xfrm>
+        </p:spPr>
+        <p:txBody>
+          <a:bodyPr/>
+          <a:lstStyle/>
+          <a:p>
+            <a:r>
+              <a:rPr lang="zh-CN" altLang="en-US"/>
+              <a:t>大富翁</a:t>
+            </a:r>
+          </a:p>
+        </p:txBody>
+      </p:sp>
+      <p:sp>
+        <p:nvSpPr>
+          <p:cNvPr id="3" name="内容占位符 2"/>
+          <p:cNvSpPr>
+            <a:spLocks noGrp="1"/>
+          </p:cNvSpPr>
+          <p:nvPr>
+            <p:ph idx="1"/>
+          </p:nvPr>
+        </p:nvSpPr>
+        <p:spPr/>
+        <p:txBody>
+          <a:bodyPr/>
+          <a:lstStyle/>
+          <a:p>
+            <a:endParaRPr lang="zh-CN" altLang="en-US"/>
+          </a:p>
+        </p:txBody>
+      </p:sp>
+      <p:pic>
+        <p:nvPicPr>
+          <p:cNvPr id="4" name="图片 3"/>
+          <p:cNvPicPr>
+            <a:picLocks noChangeAspect="1"/>
+          </p:cNvPicPr>
+          <p:nvPr/>
+        </p:nvPicPr>
+        <p:blipFill>
+          <a:blip r:embed="rId2"/>
+          <a:srcRect t="4779"/>
+          <a:stretch>
+            <a:fillRect/>
+          </a:stretch>
+        </p:blipFill>
+        <p:spPr>
+          <a:xfrm>
+            <a:off x="519430" y="902335"/>
+            <a:ext cx="11203940" cy="5559425"/>
+          </a:xfrm>
+          <a:prstGeom prst="rect">
+            <a:avLst/>
+          </a:prstGeom>
+        </p:spPr>
+      </p:pic>
+    </p:spTree>
+  </p:cSld>
+  <p:clrMapOvr>
+    <a:masterClrMapping/>
+  </p:clrMapOvr>
+  <mc:AlternateContent xmlns:mc="http://schemas.openxmlformats.org/markup-compatibility/2006" xmlns:p14="http://schemas.microsoft.com/office/powerpoint/2010/main">
+    <mc:Choice Requires="p14">
+      <p:transition spd="med" p14:dur="700">
+        <p:fade/>
+      </p:transition>
+    </mc:Choice>
+    <mc:Fallback xmlns="">
+      <p:transition spd="med">
+        <p:fade/>
+      </p:transition>
+    </mc:Fallback>
+  </mc:AlternateContent>
+</p:sld>
+</file>
+
+<file path=ppt/slides/slide4.xml><?xml version="1.0" encoding="utf-8"?>
+<p:sld xmlns:a="http://schemas.openxmlformats.org/drawingml/2006/main" xmlns:r="http://schemas.openxmlformats.org/officeDocument/2006/relationships" xmlns:p="http://schemas.openxmlformats.org/presentationml/2006/main">
+  <p:cSld>
+    <p:spTree>
+      <p:nvGrpSpPr>
+        <p:cNvPr id="1" name=""/>
+        <p:cNvGrpSpPr/>
+        <p:nvPr/>
+      </p:nvGrpSpPr>
+      <p:grpSpPr>
+        <a:xfrm>
+          <a:off x="0" y="0"/>
+          <a:ext cx="0" cy="0"/>
+          <a:chOff x="0" y="0"/>
+          <a:chExt cx="0" cy="0"/>
+        </a:xfrm>
+      </p:grpSpPr>
+      <p:sp>
+        <p:nvSpPr>
+          <p:cNvPr id="2" name="标题 1"/>
+          <p:cNvSpPr>
+            <a:spLocks noGrp="1"/>
+          </p:cNvSpPr>
+          <p:nvPr>
+            <p:ph type="title"/>
+          </p:nvPr>
+        </p:nvSpPr>
+        <p:spPr>
+          <a:xfrm>
+            <a:off x="671608" y="100331"/>
+            <a:ext cx="10916094" cy="967488"/>
+          </a:xfrm>
+        </p:spPr>
+        <p:txBody>
+          <a:bodyPr/>
+          <a:lstStyle/>
+          <a:p>
+            <a:r>
+              <a:rPr lang="zh-CN" altLang="en-US" dirty="0"/>
+              <a:t>游戏界面</a:t>
+            </a:r>
+          </a:p>
+        </p:txBody>
+      </p:sp>
+      <p:sp>
+        <p:nvSpPr>
+          <p:cNvPr id="3" name="内容占位符 2"/>
+          <p:cNvSpPr>
+            <a:spLocks noGrp="1"/>
+          </p:cNvSpPr>
+          <p:nvPr>
+            <p:ph idx="1"/>
+          </p:nvPr>
+        </p:nvSpPr>
+        <p:spPr/>
+        <p:txBody>
+          <a:bodyPr/>
+          <a:lstStyle/>
+          <a:p>
+            <a:endParaRPr lang="zh-CN" altLang="en-US" dirty="0"/>
+          </a:p>
+        </p:txBody>
+      </p:sp>
+      <p:pic>
+        <p:nvPicPr>
+          <p:cNvPr id="6" name="图片 5">
+            <a:extLst>
+              <a:ext uri="{FF2B5EF4-FFF2-40B4-BE49-F238E27FC236}">
+                <a16:creationId xmlns:a16="http://schemas.microsoft.com/office/drawing/2014/main" id="{D76310E2-EC9F-FD2B-8369-A9C1C6EEE292}"/>
+              </a:ext>
+            </a:extLst>
+          </p:cNvPr>
+          <p:cNvPicPr>
+            <a:picLocks noChangeAspect="1"/>
+          </p:cNvPicPr>
+          <p:nvPr/>
+        </p:nvPicPr>
+        <p:blipFill>
+          <a:blip r:embed="rId2"/>
+          <a:stretch>
+            <a:fillRect/>
+          </a:stretch>
+        </p:blipFill>
+        <p:spPr>
+          <a:xfrm>
+            <a:off x="671608" y="1067819"/>
+            <a:ext cx="4822049" cy="5014291"/>
+          </a:xfrm>
+          <a:prstGeom prst="rect">
+            <a:avLst/>
+          </a:prstGeom>
+        </p:spPr>
+      </p:pic>
+      <p:pic>
+        <p:nvPicPr>
+          <p:cNvPr id="8" name="图片 7">
+            <a:extLst>
+              <a:ext uri="{FF2B5EF4-FFF2-40B4-BE49-F238E27FC236}">
+                <a16:creationId xmlns:a16="http://schemas.microsoft.com/office/drawing/2014/main" id="{7921ABC0-51AB-7E9A-63F3-71851E9E18B9}"/>
+              </a:ext>
+            </a:extLst>
+          </p:cNvPr>
+          <p:cNvPicPr>
+            <a:picLocks noChangeAspect="1"/>
+          </p:cNvPicPr>
+          <p:nvPr/>
+        </p:nvPicPr>
+        <p:blipFill>
+          <a:blip r:embed="rId3"/>
+          <a:stretch>
+            <a:fillRect/>
+          </a:stretch>
+        </p:blipFill>
+        <p:spPr>
+          <a:xfrm>
+            <a:off x="6698345" y="2114540"/>
+            <a:ext cx="2400318" cy="2628919"/>
+          </a:xfrm>
+          <a:prstGeom prst="rect">
+            <a:avLst/>
+          </a:prstGeom>
+        </p:spPr>
+      </p:pic>
+    </p:spTree>
+    <p:extLst>
+      <p:ext uri="{BB962C8B-B14F-4D97-AF65-F5344CB8AC3E}">
+        <p14:creationId xmlns:p14="http://schemas.microsoft.com/office/powerpoint/2010/main" val="3798567029"/>
+      </p:ext>
+    </p:extLst>
   </p:cSld>
   <p:clrMapOvr>
     <a:masterClrMapping/>
@@ -48404,6 +49129,91 @@
           <a:lstStyle/>
           <a:p>
             <a:r>
+              <a:rPr lang="zh-CN" altLang="en-US"/>
+              <a:t>值迭代</a:t>
+            </a:r>
+          </a:p>
+        </p:txBody>
+      </p:sp>
+      <p:pic>
+        <p:nvPicPr>
+          <p:cNvPr id="4" name="内容占位符 3"/>
+          <p:cNvPicPr>
+            <a:picLocks noGrp="1" noChangeAspect="1"/>
+          </p:cNvPicPr>
+          <p:nvPr>
+            <p:ph idx="1"/>
+          </p:nvPr>
+        </p:nvPicPr>
+        <p:blipFill>
+          <a:blip r:embed="rId2"/>
+          <a:stretch>
+            <a:fillRect/>
+          </a:stretch>
+        </p:blipFill>
+        <p:spPr>
+          <a:xfrm>
+            <a:off x="638175" y="1933575"/>
+            <a:ext cx="10086975" cy="2990850"/>
+          </a:xfrm>
+          <a:prstGeom prst="rect">
+            <a:avLst/>
+          </a:prstGeom>
+        </p:spPr>
+      </p:pic>
+    </p:spTree>
+  </p:cSld>
+  <p:clrMapOvr>
+    <a:masterClrMapping/>
+  </p:clrMapOvr>
+  <mc:AlternateContent xmlns:mc="http://schemas.openxmlformats.org/markup-compatibility/2006" xmlns:p14="http://schemas.microsoft.com/office/powerpoint/2010/main">
+    <mc:Choice Requires="p14">
+      <p:transition spd="med" p14:dur="700">
+        <p:fade/>
+      </p:transition>
+    </mc:Choice>
+    <mc:Fallback xmlns="">
+      <p:transition spd="med">
+        <p:fade/>
+      </p:transition>
+    </mc:Fallback>
+  </mc:AlternateContent>
+</p:sld>
+</file>
+
+<file path=ppt/slides/slide9.xml><?xml version="1.0" encoding="utf-8"?>
+<p:sld xmlns:a="http://schemas.openxmlformats.org/drawingml/2006/main" xmlns:r="http://schemas.openxmlformats.org/officeDocument/2006/relationships" xmlns:p="http://schemas.openxmlformats.org/presentationml/2006/main">
+  <p:cSld>
+    <p:spTree>
+      <p:nvGrpSpPr>
+        <p:cNvPr id="1" name=""/>
+        <p:cNvGrpSpPr/>
+        <p:nvPr/>
+      </p:nvGrpSpPr>
+      <p:grpSpPr>
+        <a:xfrm>
+          <a:off x="0" y="0"/>
+          <a:ext cx="0" cy="0"/>
+          <a:chOff x="0" y="0"/>
+          <a:chExt cx="0" cy="0"/>
+        </a:xfrm>
+      </p:grpSpPr>
+      <p:sp>
+        <p:nvSpPr>
+          <p:cNvPr id="2" name="标题 1"/>
+          <p:cNvSpPr>
+            <a:spLocks noGrp="1"/>
+          </p:cNvSpPr>
+          <p:nvPr>
+            <p:ph type="title"/>
+          </p:nvPr>
+        </p:nvSpPr>
+        <p:spPr/>
+        <p:txBody>
+          <a:bodyPr/>
+          <a:lstStyle/>
+          <a:p>
+            <a:r>
               <a:rPr lang="zh-CN" altLang="en-US" dirty="0"/>
               <a:t>简化状态</a:t>
             </a:r>
@@ -48571,218 +49381,6 @@
         </p:spPr>
       </p:pic>
     </p:spTree>
-  </p:cSld>
-  <p:clrMapOvr>
-    <a:masterClrMapping/>
-  </p:clrMapOvr>
-  <mc:AlternateContent xmlns:mc="http://schemas.openxmlformats.org/markup-compatibility/2006" xmlns:p14="http://schemas.microsoft.com/office/powerpoint/2010/main">
-    <mc:Choice Requires="p14">
-      <p:transition spd="med" p14:dur="700">
-        <p:fade/>
-      </p:transition>
-    </mc:Choice>
-    <mc:Fallback xmlns="">
-      <p:transition spd="med">
-        <p:fade/>
-      </p:transition>
-    </mc:Fallback>
-  </mc:AlternateContent>
-</p:sld>
-</file>
-
-<file path=ppt/slides/slide9.xml><?xml version="1.0" encoding="utf-8"?>
-<p:sld xmlns:a="http://schemas.openxmlformats.org/drawingml/2006/main" xmlns:r="http://schemas.openxmlformats.org/officeDocument/2006/relationships" xmlns:p="http://schemas.openxmlformats.org/presentationml/2006/main">
-  <p:cSld>
-    <p:spTree>
-      <p:nvGrpSpPr>
-        <p:cNvPr id="1" name=""/>
-        <p:cNvGrpSpPr/>
-        <p:nvPr/>
-      </p:nvGrpSpPr>
-      <p:grpSpPr>
-        <a:xfrm>
-          <a:off x="0" y="0"/>
-          <a:ext cx="0" cy="0"/>
-          <a:chOff x="0" y="0"/>
-          <a:chExt cx="0" cy="0"/>
-        </a:xfrm>
-      </p:grpSpPr>
-      <p:sp>
-        <p:nvSpPr>
-          <p:cNvPr id="2" name="标题 1"/>
-          <p:cNvSpPr>
-            <a:spLocks noGrp="1"/>
-          </p:cNvSpPr>
-          <p:nvPr>
-            <p:ph type="title"/>
-          </p:nvPr>
-        </p:nvSpPr>
-        <p:spPr/>
-        <p:txBody>
-          <a:bodyPr/>
-          <a:lstStyle/>
-          <a:p>
-            <a:r>
-              <a:rPr lang="zh-CN" altLang="en-US" dirty="0"/>
-              <a:t>值迭代</a:t>
-            </a:r>
-            <a:r>
-              <a:rPr lang="en-US" altLang="zh-CN" dirty="0"/>
-              <a:t>AI</a:t>
-            </a:r>
-            <a:r>
-              <a:rPr lang="zh-CN" altLang="en-US" dirty="0"/>
-              <a:t>玩家</a:t>
-            </a:r>
-          </a:p>
-        </p:txBody>
-      </p:sp>
-      <p:sp>
-        <p:nvSpPr>
-          <p:cNvPr id="3" name="内容占位符 2"/>
-          <p:cNvSpPr>
-            <a:spLocks noGrp="1"/>
-          </p:cNvSpPr>
-          <p:nvPr>
-            <p:ph idx="1"/>
-          </p:nvPr>
-        </p:nvSpPr>
-        <p:spPr/>
-        <p:txBody>
-          <a:bodyPr>
-            <a:normAutofit lnSpcReduction="10000"/>
-          </a:bodyPr>
-          <a:lstStyle/>
-          <a:p>
-            <a:r>
-              <a:rPr lang="zh-CN" altLang="en-US" dirty="0"/>
-              <a:t>在创建玩家时先计算所有简化后状态对应的值</a:t>
-            </a:r>
-            <a:endParaRPr lang="en-US" altLang="zh-CN" dirty="0"/>
-          </a:p>
-          <a:p>
-            <a:pPr lvl="1"/>
-            <a:r>
-              <a:rPr lang="zh-CN" altLang="en-US" dirty="0"/>
-              <a:t>遍历所有简化后的状态，每次根据</a:t>
-            </a:r>
-            <a:r>
-              <a:rPr lang="en-US" altLang="zh-CN" dirty="0"/>
-              <a:t>state</a:t>
-            </a:r>
-            <a:r>
-              <a:rPr lang="zh-CN" altLang="en-US" dirty="0"/>
-              <a:t>获取所有</a:t>
-            </a:r>
-            <a:r>
-              <a:rPr lang="en-US" altLang="zh-CN" dirty="0"/>
-              <a:t>action</a:t>
-            </a:r>
-            <a:r>
-              <a:rPr lang="zh-CN" altLang="en-US" dirty="0"/>
-              <a:t>的概率分布：</a:t>
-            </a:r>
-            <a:endParaRPr lang="en-US" altLang="zh-CN" dirty="0"/>
-          </a:p>
-          <a:p>
-            <a:pPr lvl="2"/>
-            <a:r>
-              <a:rPr lang="en-US" altLang="zh-CN" dirty="0"/>
-              <a:t>Action</a:t>
-            </a:r>
-            <a:r>
-              <a:rPr lang="zh-CN" altLang="en-US" dirty="0"/>
-              <a:t>的概率分布按照地图中所有的建筑类型更新权重并归一化。</a:t>
-            </a:r>
-            <a:endParaRPr lang="en-US" altLang="zh-CN" dirty="0"/>
-          </a:p>
-          <a:p>
-            <a:pPr lvl="1"/>
-            <a:r>
-              <a:rPr lang="zh-CN" altLang="en-US" dirty="0"/>
-              <a:t>按照以下公式更新新的值：</a:t>
-            </a:r>
-            <a:endParaRPr lang="en-US" altLang="zh-CN" dirty="0"/>
-          </a:p>
-          <a:p>
-            <a:pPr lvl="1"/>
-            <a:endParaRPr lang="en-US" altLang="zh-CN" dirty="0"/>
-          </a:p>
-          <a:p>
-            <a:pPr marL="457200" lvl="1" indent="0">
-              <a:buNone/>
-            </a:pPr>
-            <a:endParaRPr lang="en-US" altLang="zh-CN" dirty="0"/>
-          </a:p>
-          <a:p>
-            <a:pPr lvl="1"/>
-            <a:r>
-              <a:rPr lang="zh-CN" altLang="en-US" dirty="0"/>
-              <a:t>当训练次数上限后，或所有变化值的最大值小于误差时训练结束。</a:t>
-            </a:r>
-            <a:endParaRPr lang="en-US" altLang="zh-CN" dirty="0"/>
-          </a:p>
-          <a:p>
-            <a:pPr lvl="1"/>
-            <a:r>
-              <a:rPr lang="zh-CN" altLang="en-US" dirty="0"/>
-              <a:t>将训练后的状态数据保存为文件，可以读取之前的数据多次训练。</a:t>
-            </a:r>
-            <a:endParaRPr lang="en-US" altLang="zh-CN" dirty="0"/>
-          </a:p>
-          <a:p>
-            <a:r>
-              <a:rPr lang="zh-CN" altLang="en-US" dirty="0"/>
-              <a:t>创建后预测所有行动后的状态，并映射为简化后的状态，计算对应的值，并得出</a:t>
-            </a:r>
-            <a:r>
-              <a:rPr lang="en-US" altLang="zh-CN" dirty="0"/>
-              <a:t>V(s’)+r(a)</a:t>
-            </a:r>
-            <a:r>
-              <a:rPr lang="zh-CN" altLang="en-US" dirty="0"/>
-              <a:t>最大时对应的动作。</a:t>
-            </a:r>
-            <a:endParaRPr lang="en-US" altLang="zh-CN" dirty="0"/>
-          </a:p>
-        </p:txBody>
-      </p:sp>
-      <p:pic>
-        <p:nvPicPr>
-          <p:cNvPr id="5" name="图片 4">
-            <a:extLst>
-              <a:ext uri="{FF2B5EF4-FFF2-40B4-BE49-F238E27FC236}">
-                <a16:creationId xmlns:a16="http://schemas.microsoft.com/office/drawing/2014/main" id="{CB7B70DB-375A-5967-342C-42E112FC802A}"/>
-              </a:ext>
-            </a:extLst>
-          </p:cNvPr>
-          <p:cNvPicPr>
-            <a:picLocks noChangeAspect="1"/>
-          </p:cNvPicPr>
-          <p:nvPr/>
-        </p:nvPicPr>
-        <p:blipFill>
-          <a:blip r:embed="rId2"/>
-          <a:stretch>
-            <a:fillRect/>
-          </a:stretch>
-        </p:blipFill>
-        <p:spPr>
-          <a:xfrm>
-            <a:off x="1517414" y="3564086"/>
-            <a:ext cx="9157171" cy="457223"/>
-          </a:xfrm>
-          <a:prstGeom prst="rect">
-            <a:avLst/>
-          </a:prstGeom>
-        </p:spPr>
-      </p:pic>
-    </p:spTree>
-    <p:extLst>
-      <p:ext uri="{BB962C8B-B14F-4D97-AF65-F5344CB8AC3E}">
-        <p14:creationId xmlns:p14="http://schemas.microsoft.com/office/powerpoint/2010/main" val="343482876"/>
-      </p:ext>
-    </p:extLst>
   </p:cSld>
   <p:clrMapOvr>
     <a:masterClrMapping/>

--- a/动态规划pre.pptx
+++ b/动态规划pre.pptx
@@ -10,8 +10,8 @@
   <p:sldIdLst>
     <p:sldId id="261" r:id="rId2"/>
     <p:sldId id="282" r:id="rId3"/>
-    <p:sldId id="281" r:id="rId4"/>
-    <p:sldId id="292" r:id="rId5"/>
+    <p:sldId id="292" r:id="rId4"/>
+    <p:sldId id="281" r:id="rId5"/>
     <p:sldId id="285" r:id="rId6"/>
     <p:sldId id="286" r:id="rId7"/>
     <p:sldId id="287" r:id="rId8"/>
@@ -45830,10 +45830,10 @@
       </p:sp>
       <p:pic>
         <p:nvPicPr>
-          <p:cNvPr id="5" name="图片 4">
+          <p:cNvPr id="6" name="图片 5">
             <a:extLst>
               <a:ext uri="{FF2B5EF4-FFF2-40B4-BE49-F238E27FC236}">
-                <a16:creationId xmlns:a16="http://schemas.microsoft.com/office/drawing/2014/main" id="{CB7B70DB-375A-5967-342C-42E112FC802A}"/>
+                <a16:creationId xmlns:a16="http://schemas.microsoft.com/office/drawing/2014/main" id="{AB2DA270-C9D5-C5D5-E2A0-3BE1CF2CA415}"/>
               </a:ext>
             </a:extLst>
           </p:cNvPr>
@@ -45850,8 +45850,8 @@
         </p:blipFill>
         <p:spPr>
           <a:xfrm>
-            <a:off x="1517414" y="3564086"/>
-            <a:ext cx="9157171" cy="457223"/>
+            <a:off x="3847984" y="3429000"/>
+            <a:ext cx="4496031" cy="298465"/>
           </a:xfrm>
           <a:prstGeom prst="rect">
             <a:avLst/>
@@ -47985,40 +47985,40 @@
           <a:lstStyle/>
           <a:p>
             <a:r>
-              <a:rPr lang="zh-CN" altLang="en-US" sz="2800">
+              <a:rPr lang="zh-CN" altLang="en-US" sz="2800" dirty="0">
                 <a:sym typeface="+mn-ea"/>
               </a:rPr>
               <a:t>两个玩家：</a:t>
             </a:r>
             <a:r>
-              <a:rPr lang="en-US" altLang="zh-CN" sz="2800">
+              <a:rPr lang="en-US" altLang="zh-CN" sz="2800" dirty="0">
                 <a:sym typeface="+mn-ea"/>
               </a:rPr>
               <a:t>Alice</a:t>
             </a:r>
             <a:r>
-              <a:rPr lang="zh-CN" altLang="en-US" sz="2800">
+              <a:rPr lang="zh-CN" altLang="en-US" sz="2800" dirty="0">
                 <a:sym typeface="+mn-ea"/>
               </a:rPr>
               <a:t>和</a:t>
             </a:r>
             <a:r>
-              <a:rPr lang="en-US" altLang="zh-CN" sz="2800">
+              <a:rPr lang="en-US" altLang="zh-CN" sz="2800" dirty="0">
                 <a:sym typeface="+mn-ea"/>
               </a:rPr>
               <a:t>Bob</a:t>
             </a:r>
             <a:r>
-              <a:rPr lang="zh-CN" altLang="en-US" sz="2800">
+              <a:rPr lang="zh-CN" altLang="en-US" sz="2800" dirty="0">
                 <a:sym typeface="+mn-ea"/>
               </a:rPr>
               <a:t>，初始具有一定的资金</a:t>
             </a:r>
-            <a:endParaRPr lang="en-US" altLang="zh-CN" sz="2800"/>
+            <a:endParaRPr lang="en-US" altLang="zh-CN" sz="2800" dirty="0"/>
           </a:p>
           <a:p>
             <a:r>
-              <a:rPr lang="zh-CN" altLang="en-US" sz="2800">
+              <a:rPr lang="zh-CN" altLang="en-US" sz="2800" dirty="0">
                 <a:sym typeface="+mn-ea"/>
               </a:rPr>
               <a:t>一个地图：地图为环形，有五种格子分别为开始格、建筑格、奖励格、机会格和监狱格（进监狱格和在监狱格）</a:t>
@@ -48026,19 +48026,19 @@
           </a:p>
           <a:p>
             <a:r>
-              <a:rPr lang="zh-CN" altLang="en-US" sz="2800">
+              <a:rPr lang="zh-CN" altLang="en-US" sz="2800" dirty="0">
                 <a:sym typeface="+mn-ea"/>
               </a:rPr>
               <a:t>操作：玩家每一轮通过摇骰子决定前进的步数（</a:t>
             </a:r>
             <a:r>
-              <a:rPr lang="en-US" altLang="zh-CN" sz="2800">
+              <a:rPr lang="en-US" altLang="zh-CN" sz="2800" dirty="0">
                 <a:sym typeface="+mn-ea"/>
               </a:rPr>
               <a:t>1~6</a:t>
             </a:r>
             <a:r>
-              <a:rPr lang="zh-CN" altLang="en-US" sz="2800">
+              <a:rPr lang="zh-CN" altLang="en-US" sz="2800" dirty="0">
                 <a:sym typeface="+mn-ea"/>
               </a:rPr>
               <a:t>）</a:t>
@@ -48047,31 +48047,31 @@
           <a:p>
             <a:pPr lvl="1"/>
             <a:r>
-              <a:rPr lang="zh-CN" altLang="en-US" sz="2400">
+              <a:rPr lang="zh-CN" altLang="en-US" sz="2400" dirty="0">
                 <a:sym typeface="+mn-ea"/>
               </a:rPr>
               <a:t>当前进到空白的建筑格时，可以选择</a:t>
             </a:r>
             <a:r>
-              <a:rPr lang="zh-CN" altLang="en-US" sz="2400" b="1">
+              <a:rPr lang="zh-CN" altLang="en-US" sz="2400" b="1" dirty="0">
                 <a:sym typeface="+mn-ea"/>
               </a:rPr>
               <a:t>是否购买该建筑</a:t>
             </a:r>
             <a:r>
-              <a:rPr lang="zh-CN" altLang="en-US" sz="2400">
+              <a:rPr lang="zh-CN" altLang="en-US" sz="2400" dirty="0">
                 <a:sym typeface="+mn-ea"/>
               </a:rPr>
               <a:t>；在前进到自身拥有的建筑格时，可以选择</a:t>
             </a:r>
             <a:r>
-              <a:rPr lang="zh-CN" altLang="en-US" sz="2400" b="1">
+              <a:rPr lang="zh-CN" altLang="en-US" sz="2400" b="1" dirty="0">
                 <a:sym typeface="+mn-ea"/>
               </a:rPr>
               <a:t>是否出售该建筑</a:t>
             </a:r>
             <a:r>
-              <a:rPr lang="zh-CN" altLang="en-US" sz="2400">
+              <a:rPr lang="zh-CN" altLang="en-US" sz="2400" dirty="0">
                 <a:sym typeface="+mn-ea"/>
               </a:rPr>
               <a:t>；在前进到对方拥有的建筑格时，需要缴纳租金。</a:t>
@@ -48080,33 +48080,33 @@
           <a:p>
             <a:pPr lvl="1"/>
             <a:r>
-              <a:rPr lang="zh-CN" altLang="en-US" sz="2400"/>
+              <a:rPr lang="zh-CN" altLang="en-US" sz="2400" dirty="0"/>
               <a:t>当前进到奖励格时，获得一定的资金奖励。</a:t>
             </a:r>
           </a:p>
           <a:p>
             <a:pPr lvl="1"/>
             <a:r>
-              <a:rPr lang="zh-CN" altLang="en-US" sz="2400"/>
-              <a:t>当前进到进监狱格时，转移到在监狱格，并停止行动一回合。</a:t>
+              <a:rPr lang="zh-CN" altLang="en-US" sz="2400" dirty="0"/>
+              <a:t>当前进到进监狱格时，转移到在监狱格，并停止行动两回合。</a:t>
             </a:r>
           </a:p>
           <a:p>
             <a:pPr lvl="0"/>
             <a:r>
-              <a:rPr lang="zh-CN" altLang="en-US" sz="2740"/>
+              <a:rPr lang="zh-CN" altLang="en-US" sz="2740" dirty="0"/>
               <a:t>玩家目标：玩家在资金为负数时破产视为失败，在一方失败时游戏停止</a:t>
             </a:r>
           </a:p>
           <a:p>
             <a:pPr lvl="0"/>
             <a:r>
-              <a:rPr lang="zh-CN" altLang="en-US" sz="2740">
+              <a:rPr lang="zh-CN" altLang="en-US" sz="2740" dirty="0">
                 <a:sym typeface="+mn-ea"/>
               </a:rPr>
               <a:t>为了让游戏的轮数能够收敛，我们设定了玩家在每操作一轮时，有一个固定损失。</a:t>
             </a:r>
-            <a:endParaRPr lang="zh-CN" altLang="en-US" sz="2740"/>
+            <a:endParaRPr lang="zh-CN" altLang="en-US" sz="2740" dirty="0"/>
           </a:p>
         </p:txBody>
       </p:sp>
@@ -48131,114 +48131,6 @@
 </file>
 
 <file path=ppt/slides/slide3.xml><?xml version="1.0" encoding="utf-8"?>
-<p:sld xmlns:a="http://schemas.openxmlformats.org/drawingml/2006/main" xmlns:r="http://schemas.openxmlformats.org/officeDocument/2006/relationships" xmlns:p="http://schemas.openxmlformats.org/presentationml/2006/main">
-  <p:cSld>
-    <p:spTree>
-      <p:nvGrpSpPr>
-        <p:cNvPr id="1" name=""/>
-        <p:cNvGrpSpPr/>
-        <p:nvPr/>
-      </p:nvGrpSpPr>
-      <p:grpSpPr>
-        <a:xfrm>
-          <a:off x="0" y="0"/>
-          <a:ext cx="0" cy="0"/>
-          <a:chOff x="0" y="0"/>
-          <a:chExt cx="0" cy="0"/>
-        </a:xfrm>
-      </p:grpSpPr>
-      <p:sp>
-        <p:nvSpPr>
-          <p:cNvPr id="2" name="标题 1"/>
-          <p:cNvSpPr>
-            <a:spLocks noGrp="1"/>
-          </p:cNvSpPr>
-          <p:nvPr>
-            <p:ph type="title"/>
-          </p:nvPr>
-        </p:nvSpPr>
-        <p:spPr>
-          <a:xfrm>
-            <a:off x="671608" y="100331"/>
-            <a:ext cx="10916094" cy="967488"/>
-          </a:xfrm>
-        </p:spPr>
-        <p:txBody>
-          <a:bodyPr/>
-          <a:lstStyle/>
-          <a:p>
-            <a:r>
-              <a:rPr lang="zh-CN" altLang="en-US"/>
-              <a:t>大富翁</a:t>
-            </a:r>
-          </a:p>
-        </p:txBody>
-      </p:sp>
-      <p:sp>
-        <p:nvSpPr>
-          <p:cNvPr id="3" name="内容占位符 2"/>
-          <p:cNvSpPr>
-            <a:spLocks noGrp="1"/>
-          </p:cNvSpPr>
-          <p:nvPr>
-            <p:ph idx="1"/>
-          </p:nvPr>
-        </p:nvSpPr>
-        <p:spPr/>
-        <p:txBody>
-          <a:bodyPr/>
-          <a:lstStyle/>
-          <a:p>
-            <a:endParaRPr lang="zh-CN" altLang="en-US"/>
-          </a:p>
-        </p:txBody>
-      </p:sp>
-      <p:pic>
-        <p:nvPicPr>
-          <p:cNvPr id="4" name="图片 3"/>
-          <p:cNvPicPr>
-            <a:picLocks noChangeAspect="1"/>
-          </p:cNvPicPr>
-          <p:nvPr/>
-        </p:nvPicPr>
-        <p:blipFill>
-          <a:blip r:embed="rId2"/>
-          <a:srcRect t="4779"/>
-          <a:stretch>
-            <a:fillRect/>
-          </a:stretch>
-        </p:blipFill>
-        <p:spPr>
-          <a:xfrm>
-            <a:off x="519430" y="902335"/>
-            <a:ext cx="11203940" cy="5559425"/>
-          </a:xfrm>
-          <a:prstGeom prst="rect">
-            <a:avLst/>
-          </a:prstGeom>
-        </p:spPr>
-      </p:pic>
-    </p:spTree>
-  </p:cSld>
-  <p:clrMapOvr>
-    <a:masterClrMapping/>
-  </p:clrMapOvr>
-  <mc:AlternateContent xmlns:mc="http://schemas.openxmlformats.org/markup-compatibility/2006" xmlns:p14="http://schemas.microsoft.com/office/powerpoint/2010/main">
-    <mc:Choice Requires="p14">
-      <p:transition spd="med" p14:dur="700">
-        <p:fade/>
-      </p:transition>
-    </mc:Choice>
-    <mc:Fallback xmlns="">
-      <p:transition spd="med">
-        <p:fade/>
-      </p:transition>
-    </mc:Fallback>
-  </mc:AlternateContent>
-</p:sld>
-</file>
-
-<file path=ppt/slides/slide4.xml><?xml version="1.0" encoding="utf-8"?>
 <p:sld xmlns:a="http://schemas.openxmlformats.org/drawingml/2006/main" xmlns:r="http://schemas.openxmlformats.org/officeDocument/2006/relationships" xmlns:p="http://schemas.openxmlformats.org/presentationml/2006/main">
   <p:cSld>
     <p:spTree>
@@ -48386,6 +48278,114 @@
 </p:sld>
 </file>
 
+<file path=ppt/slides/slide4.xml><?xml version="1.0" encoding="utf-8"?>
+<p:sld xmlns:a="http://schemas.openxmlformats.org/drawingml/2006/main" xmlns:r="http://schemas.openxmlformats.org/officeDocument/2006/relationships" xmlns:p="http://schemas.openxmlformats.org/presentationml/2006/main">
+  <p:cSld>
+    <p:spTree>
+      <p:nvGrpSpPr>
+        <p:cNvPr id="1" name=""/>
+        <p:cNvGrpSpPr/>
+        <p:nvPr/>
+      </p:nvGrpSpPr>
+      <p:grpSpPr>
+        <a:xfrm>
+          <a:off x="0" y="0"/>
+          <a:ext cx="0" cy="0"/>
+          <a:chOff x="0" y="0"/>
+          <a:chExt cx="0" cy="0"/>
+        </a:xfrm>
+      </p:grpSpPr>
+      <p:sp>
+        <p:nvSpPr>
+          <p:cNvPr id="2" name="标题 1"/>
+          <p:cNvSpPr>
+            <a:spLocks noGrp="1"/>
+          </p:cNvSpPr>
+          <p:nvPr>
+            <p:ph type="title"/>
+          </p:nvPr>
+        </p:nvSpPr>
+        <p:spPr>
+          <a:xfrm>
+            <a:off x="671608" y="100331"/>
+            <a:ext cx="10916094" cy="967488"/>
+          </a:xfrm>
+        </p:spPr>
+        <p:txBody>
+          <a:bodyPr/>
+          <a:lstStyle/>
+          <a:p>
+            <a:r>
+              <a:rPr lang="zh-CN" altLang="en-US" dirty="0"/>
+              <a:t>游戏界面</a:t>
+            </a:r>
+          </a:p>
+        </p:txBody>
+      </p:sp>
+      <p:sp>
+        <p:nvSpPr>
+          <p:cNvPr id="3" name="内容占位符 2"/>
+          <p:cNvSpPr>
+            <a:spLocks noGrp="1"/>
+          </p:cNvSpPr>
+          <p:nvPr>
+            <p:ph idx="1"/>
+          </p:nvPr>
+        </p:nvSpPr>
+        <p:spPr/>
+        <p:txBody>
+          <a:bodyPr/>
+          <a:lstStyle/>
+          <a:p>
+            <a:endParaRPr lang="zh-CN" altLang="en-US"/>
+          </a:p>
+        </p:txBody>
+      </p:sp>
+      <p:pic>
+        <p:nvPicPr>
+          <p:cNvPr id="4" name="图片 3"/>
+          <p:cNvPicPr>
+            <a:picLocks noChangeAspect="1"/>
+          </p:cNvPicPr>
+          <p:nvPr/>
+        </p:nvPicPr>
+        <p:blipFill>
+          <a:blip r:embed="rId2"/>
+          <a:srcRect t="4779"/>
+          <a:stretch>
+            <a:fillRect/>
+          </a:stretch>
+        </p:blipFill>
+        <p:spPr>
+          <a:xfrm>
+            <a:off x="519430" y="902335"/>
+            <a:ext cx="11203940" cy="5559425"/>
+          </a:xfrm>
+          <a:prstGeom prst="rect">
+            <a:avLst/>
+          </a:prstGeom>
+        </p:spPr>
+      </p:pic>
+    </p:spTree>
+  </p:cSld>
+  <p:clrMapOvr>
+    <a:masterClrMapping/>
+  </p:clrMapOvr>
+  <mc:AlternateContent xmlns:mc="http://schemas.openxmlformats.org/markup-compatibility/2006" xmlns:p14="http://schemas.microsoft.com/office/powerpoint/2010/main">
+    <mc:Choice Requires="p14">
+      <p:transition spd="med" p14:dur="700">
+        <p:fade/>
+      </p:transition>
+    </mc:Choice>
+    <mc:Fallback xmlns="">
+      <p:transition spd="med">
+        <p:fade/>
+      </p:transition>
+    </mc:Fallback>
+  </mc:AlternateContent>
+</p:sld>
+</file>
+
 <file path=ppt/slides/slide5.xml><?xml version="1.0" encoding="utf-8"?>
 <p:sld xmlns:a="http://schemas.openxmlformats.org/drawingml/2006/main" xmlns:r="http://schemas.openxmlformats.org/officeDocument/2006/relationships" xmlns:p="http://schemas.openxmlformats.org/presentationml/2006/main">
   <p:cSld>
@@ -48447,58 +48447,6 @@
           </a:bodyPr>
           <a:lstStyle/>
           <a:p>
-            <a:pPr>
-              <a:lnSpc>
-                <a:spcPct val="150000"/>
-              </a:lnSpc>
-            </a:pPr>
-            <a:r>
-              <a:rPr lang="zh-CN" altLang="en-US" dirty="0"/>
-              <a:t>状态空间：</a:t>
-            </a:r>
-            <a:r>
-              <a:rPr lang="en-US" altLang="zh-CN" dirty="0"/>
-              <a:t>{</a:t>
-            </a:r>
-            <a:r>
-              <a:rPr lang="zh-CN" altLang="en-US" dirty="0"/>
-              <a:t>当前玩家，玩家信息，建筑信息，游戏轮数，地图连接</a:t>
-            </a:r>
-            <a:r>
-              <a:rPr lang="en-US" altLang="zh-CN" dirty="0"/>
-              <a:t>}</a:t>
-            </a:r>
-            <a:endParaRPr lang="zh-CN" altLang="en-US" dirty="0">
-              <a:latin typeface="宋体" panose="02010600030101010101" pitchFamily="2" charset="-122"/>
-              <a:ea typeface="宋体" panose="02010600030101010101" pitchFamily="2" charset="-122"/>
-            </a:endParaRPr>
-          </a:p>
-          <a:p>
-            <a:pPr algn="l" fontAlgn="auto">
-              <a:lnSpc>
-                <a:spcPct val="150000"/>
-              </a:lnSpc>
-              <a:buClrTx/>
-              <a:buSzTx/>
-            </a:pPr>
-            <a:r>
-              <a:rPr lang="zh-CN" altLang="en-US" dirty="0"/>
-              <a:t>操作空间：</a:t>
-            </a:r>
-            <a:r>
-              <a:rPr lang="en-US" altLang="zh-CN" dirty="0"/>
-              <a:t>{</a:t>
-            </a:r>
-            <a:r>
-              <a:rPr lang="zh-CN" altLang="en-US" dirty="0"/>
-              <a:t>无操作、购买建筑、出售建筑、交租金、得到奖励、进入监狱、待监狱、移动</a:t>
-            </a:r>
-            <a:r>
-              <a:rPr lang="en-US" altLang="zh-CN" dirty="0"/>
-              <a:t>}</a:t>
-            </a:r>
-          </a:p>
-          <a:p>
             <a:pPr algn="l" fontAlgn="auto">
               <a:lnSpc>
                 <a:spcPct val="150000"/>
@@ -48524,7 +48472,15 @@
             </a:r>
             <a:r>
               <a:rPr lang="zh-CN" altLang="en-US" dirty="0"/>
-              <a:t>（贝叶斯统计，先验分布：</a:t>
+              <a:t>（贝叶斯</a:t>
+            </a:r>
+            <a:r>
+              <a:rPr lang="en-US" altLang="zh-CN" dirty="0"/>
+              <a:t>belief</a:t>
+            </a:r>
+            <a:r>
+              <a:rPr lang="zh-CN" altLang="en-US" dirty="0"/>
+              <a:t>，先验分布：</a:t>
             </a:r>
             <a:r>
               <a:rPr lang="en-US" altLang="zh-CN" dirty="0"/>
@@ -48565,6 +48521,41 @@
             </a:r>
           </a:p>
           <a:p>
+            <a:pPr>
+              <a:lnSpc>
+                <a:spcPct val="150000"/>
+              </a:lnSpc>
+            </a:pPr>
+            <a:endParaRPr lang="en-US" altLang="zh-CN" dirty="0"/>
+          </a:p>
+          <a:p>
+            <a:pPr>
+              <a:lnSpc>
+                <a:spcPct val="150000"/>
+              </a:lnSpc>
+            </a:pPr>
+            <a:r>
+              <a:rPr lang="zh-CN" altLang="en-US" dirty="0"/>
+              <a:t>状态空间：</a:t>
+            </a:r>
+            <a:r>
+              <a:rPr lang="en-US" altLang="zh-CN" dirty="0"/>
+              <a:t>{</a:t>
+            </a:r>
+            <a:r>
+              <a:rPr lang="zh-CN" altLang="en-US" dirty="0"/>
+              <a:t>当前玩家，玩家信息，建筑信息，地图连接，游戏轮数</a:t>
+            </a:r>
+            <a:r>
+              <a:rPr lang="en-US" altLang="zh-CN" dirty="0"/>
+              <a:t>}</a:t>
+            </a:r>
+            <a:endParaRPr lang="zh-CN" altLang="en-US" dirty="0">
+              <a:latin typeface="宋体" panose="02010600030101010101" pitchFamily="2" charset="-122"/>
+              <a:ea typeface="宋体" panose="02010600030101010101" pitchFamily="2" charset="-122"/>
+            </a:endParaRPr>
+          </a:p>
+          <a:p>
             <a:pPr algn="l" fontAlgn="auto">
               <a:lnSpc>
                 <a:spcPct val="150000"/>
@@ -48572,7 +48563,22 @@
               <a:buClrTx/>
               <a:buSzTx/>
             </a:pPr>
-            <a:endParaRPr lang="en-US" altLang="zh-CN" dirty="0"/>
+            <a:r>
+              <a:rPr lang="zh-CN" altLang="en-US" dirty="0"/>
+              <a:t>操作空间：</a:t>
+            </a:r>
+            <a:r>
+              <a:rPr lang="en-US" altLang="zh-CN" dirty="0"/>
+              <a:t>{</a:t>
+            </a:r>
+            <a:r>
+              <a:rPr lang="zh-CN" altLang="en-US" dirty="0"/>
+              <a:t>无操作、购买建筑、出售建筑、交租金、得到奖励、进入监狱、待监狱、移动</a:t>
+            </a:r>
+            <a:r>
+              <a:rPr lang="en-US" altLang="zh-CN" dirty="0"/>
+              <a:t>}</a:t>
+            </a:r>
           </a:p>
           <a:p>
             <a:pPr algn="l" fontAlgn="auto">
